--- a/Entregaveis/ApresentacaoProposta.pptx
+++ b/Entregaveis/ApresentacaoProposta.pptx
@@ -212,7 +212,7 @@
           <a:p>
             <a:fld id="{007580C7-3B55-4E5C-A9B0-711198A4104E}" type="datetimeFigureOut">
               <a:rPr lang="pt-PT" smtClean="0"/>
-              <a:t>30/03/2020</a:t>
+              <a:t>01/04/2020</a:t>
             </a:fld>
             <a:endParaRPr lang="pt-PT"/>
           </a:p>
@@ -697,7 +697,7 @@
             </a:pPr>
             <a:r>
               <a:rPr lang="pt-PT" sz="1200" dirty="0"/>
-              <a:t>Os serviços irão fornecer um API REST</a:t>
+              <a:t>Os serviços irão estar expostos recorrendo a uma API REST</a:t>
             </a:r>
           </a:p>
           <a:p>
@@ -787,8 +787,8 @@
               <a:t>Terá uma série de </a:t>
             </a:r>
             <a:r>
-              <a:rPr lang="pt-PT" sz="1200" i="1" dirty="0" err="1"/>
-              <a:t>features</a:t>
+              <a:rPr lang="pt-PT" sz="1200" i="1" dirty="0"/>
+              <a:t>funcionalidades</a:t>
             </a:r>
             <a:r>
               <a:rPr lang="pt-PT" sz="1200" dirty="0"/>
@@ -812,15 +812,7 @@
             </a:pPr>
             <a:r>
               <a:rPr lang="pt-PT" sz="1200" dirty="0"/>
-              <a:t>Relacional, boa prática de programação para um código aberto ter um conjunto de regas bem delineadas </a:t>
-            </a:r>
-            <a:r>
-              <a:rPr lang="pt-PT" sz="1200" dirty="0" err="1"/>
-              <a:t>a’priori</a:t>
-            </a:r>
-            <a:r>
-              <a:rPr lang="pt-PT" sz="1200" dirty="0"/>
-              <a:t>.</a:t>
+              <a:t>Relacional, para assegurar consistência de dados e relações.</a:t>
             </a:r>
           </a:p>
           <a:p>
@@ -850,7 +842,7 @@
             </a:pPr>
             <a:r>
               <a:rPr lang="pt-PT" sz="1200" dirty="0"/>
-              <a:t>Será capaz de interpretar código funcional, testes unitários,</a:t>
+              <a:t>Será capaz de interpretar código passível de ser executado e testes unitários,</a:t>
             </a:r>
           </a:p>
           <a:p>
@@ -860,7 +852,7 @@
             </a:pPr>
             <a:r>
               <a:rPr lang="pt-PT" sz="1200" dirty="0"/>
-              <a:t>O output será o resultado do código, ou uma mensagem de erro em caso de código não funcional.</a:t>
+              <a:t>O output será o resultado do código, ou uma mensagem de erro em caso de ao correr o código.</a:t>
             </a:r>
           </a:p>
           <a:p>
@@ -973,97 +965,7 @@
           <a:bodyPr/>
           <a:lstStyle/>
           <a:p>
-            <a:pPr marL="171450" marR="0" lvl="0" indent="-171450" algn="l" defTabSz="914400" rtl="0" eaLnBrk="1" fontAlgn="auto" latinLnBrk="0" hangingPunct="1">
-              <a:lnSpc>
-                <a:spcPct val="100000"/>
-              </a:lnSpc>
-              <a:spcBef>
-                <a:spcPts val="0"/>
-              </a:spcBef>
-              <a:spcAft>
-                <a:spcPts val="0"/>
-              </a:spcAft>
-              <a:buClrTx/>
-              <a:buSzTx/>
-              <a:buFont typeface="Wingdings" panose="05000000000000000000" pitchFamily="2" charset="2"/>
-              <a:buChar char="§"/>
-              <a:tabLst/>
-              <a:defRPr/>
-            </a:pPr>
-            <a:r>
-              <a:rPr lang="pt-PT" sz="1200" dirty="0"/>
-              <a:t>Qualquer utilizador pode executar código em várias linguagens de programação;</a:t>
-            </a:r>
-          </a:p>
-          <a:p>
-            <a:pPr marL="171450" marR="0" lvl="0" indent="-171450" algn="l" defTabSz="914400" rtl="0" eaLnBrk="1" fontAlgn="auto" latinLnBrk="0" hangingPunct="1">
-              <a:lnSpc>
-                <a:spcPct val="100000"/>
-              </a:lnSpc>
-              <a:spcBef>
-                <a:spcPts val="0"/>
-              </a:spcBef>
-              <a:spcAft>
-                <a:spcPts val="0"/>
-              </a:spcAft>
-              <a:buClrTx/>
-              <a:buSzTx/>
-              <a:buFont typeface="Wingdings" panose="05000000000000000000" pitchFamily="2" charset="2"/>
-              <a:buChar char="§"/>
-              <a:tabLst/>
-              <a:defRPr/>
-            </a:pPr>
-            <a:r>
-              <a:rPr lang="pt-PT" sz="1200" dirty="0"/>
-              <a:t>Para ter acesso a outra </a:t>
-            </a:r>
-            <a:r>
-              <a:rPr lang="pt-PT" sz="1200" i="1" dirty="0" err="1"/>
-              <a:t>features</a:t>
-            </a:r>
-            <a:r>
-              <a:rPr lang="pt-PT" sz="1200" i="1" dirty="0"/>
-              <a:t> (</a:t>
-            </a:r>
-            <a:r>
-              <a:rPr lang="pt-PT" sz="1200" i="0" dirty="0" err="1"/>
-              <a:t>eg</a:t>
-            </a:r>
-            <a:r>
-              <a:rPr lang="pt-PT" sz="1200" i="0" dirty="0"/>
-              <a:t>. </a:t>
-            </a:r>
-            <a:r>
-              <a:rPr lang="pt-PT" sz="1200" i="1" dirty="0" err="1"/>
-              <a:t>Challenges</a:t>
-            </a:r>
-            <a:r>
-              <a:rPr lang="pt-PT" sz="1200" i="1" dirty="0"/>
-              <a:t>, </a:t>
-            </a:r>
-            <a:r>
-              <a:rPr lang="pt-PT" sz="1200" i="1" dirty="0" err="1"/>
-              <a:t>Questionnaires</a:t>
-            </a:r>
-            <a:r>
-              <a:rPr lang="pt-PT" sz="1200" i="1" dirty="0"/>
-              <a:t>)</a:t>
-            </a:r>
-            <a:r>
-              <a:rPr lang="pt-PT" sz="1200" dirty="0"/>
-              <a:t>, terá de ter conta e estar de </a:t>
-            </a:r>
-            <a:r>
-              <a:rPr lang="pt-PT" sz="1200" dirty="0" err="1"/>
-              <a:t>logado</a:t>
-            </a:r>
-            <a:r>
-              <a:rPr lang="pt-PT" sz="1200" dirty="0"/>
-              <a:t>;</a:t>
-            </a:r>
-          </a:p>
-          <a:p>
-            <a:endParaRPr lang="pt-PT" dirty="0"/>
+            <a:endParaRPr lang="en-GB" dirty="0"/>
           </a:p>
         </p:txBody>
       </p:sp>
@@ -1084,7 +986,7 @@
           <a:p>
             <a:fld id="{FC77E7C4-E54C-465D-ABEB-E0CB3A6B840B}" type="slidenum">
               <a:rPr lang="pt-PT" smtClean="0"/>
-              <a:t>9</a:t>
+              <a:t>7</a:t>
             </a:fld>
             <a:endParaRPr lang="pt-PT"/>
           </a:p>
@@ -1093,7 +995,7 @@
     </p:spTree>
     <p:extLst>
       <p:ext uri="{BB962C8B-B14F-4D97-AF65-F5344CB8AC3E}">
-        <p14:creationId xmlns:p14="http://schemas.microsoft.com/office/powerpoint/2010/main" val="655576880"/>
+        <p14:creationId xmlns:p14="http://schemas.microsoft.com/office/powerpoint/2010/main" val="1679274674"/>
       </p:ext>
     </p:extLst>
   </p:cSld>
@@ -1147,11 +1049,97 @@
           <a:bodyPr/>
           <a:lstStyle/>
           <a:p>
-            <a:pPr marL="0" indent="0">
+            <a:pPr marL="171450" marR="0" lvl="0" indent="-171450" algn="l" defTabSz="914400" rtl="0" eaLnBrk="1" fontAlgn="auto" latinLnBrk="0" hangingPunct="1">
+              <a:lnSpc>
+                <a:spcPct val="100000"/>
+              </a:lnSpc>
+              <a:spcBef>
+                <a:spcPts val="0"/>
+              </a:spcBef>
+              <a:spcAft>
+                <a:spcPts val="0"/>
+              </a:spcAft>
+              <a:buClrTx/>
+              <a:buSzTx/>
               <a:buFont typeface="Wingdings" panose="05000000000000000000" pitchFamily="2" charset="2"/>
-              <a:buNone/>
+              <a:buChar char="§"/>
+              <a:tabLst/>
+              <a:defRPr/>
             </a:pPr>
-            <a:endParaRPr lang="pt-PT" sz="1200" i="1" dirty="0"/>
+            <a:r>
+              <a:rPr lang="pt-PT" sz="1200" dirty="0"/>
+              <a:t>Qualquer utilizador pode executar código em várias linguagens de programação;</a:t>
+            </a:r>
+          </a:p>
+          <a:p>
+            <a:pPr marL="171450" marR="0" lvl="0" indent="-171450" algn="l" defTabSz="914400" rtl="0" eaLnBrk="1" fontAlgn="auto" latinLnBrk="0" hangingPunct="1">
+              <a:lnSpc>
+                <a:spcPct val="100000"/>
+              </a:lnSpc>
+              <a:spcBef>
+                <a:spcPts val="0"/>
+              </a:spcBef>
+              <a:spcAft>
+                <a:spcPts val="0"/>
+              </a:spcAft>
+              <a:buClrTx/>
+              <a:buSzTx/>
+              <a:buFont typeface="Wingdings" panose="05000000000000000000" pitchFamily="2" charset="2"/>
+              <a:buChar char="§"/>
+              <a:tabLst/>
+              <a:defRPr/>
+            </a:pPr>
+            <a:r>
+              <a:rPr lang="pt-PT" sz="1200" dirty="0"/>
+              <a:t>Para ter acesso a outra </a:t>
+            </a:r>
+            <a:r>
+              <a:rPr lang="pt-PT" sz="1200" i="1" dirty="0" err="1"/>
+              <a:t>features</a:t>
+            </a:r>
+            <a:r>
+              <a:rPr lang="pt-PT" sz="1200" i="1" dirty="0"/>
+              <a:t> (</a:t>
+            </a:r>
+            <a:r>
+              <a:rPr lang="pt-PT" sz="1200" i="0" dirty="0" err="1"/>
+              <a:t>eg</a:t>
+            </a:r>
+            <a:r>
+              <a:rPr lang="pt-PT" sz="1200" i="0" dirty="0"/>
+              <a:t>. </a:t>
+            </a:r>
+            <a:r>
+              <a:rPr lang="pt-PT" sz="1200" i="1" dirty="0" err="1"/>
+              <a:t>Challenges</a:t>
+            </a:r>
+            <a:r>
+              <a:rPr lang="pt-PT" sz="1200" i="1" dirty="0"/>
+              <a:t>, </a:t>
+            </a:r>
+            <a:r>
+              <a:rPr lang="pt-PT" sz="1200" i="1" dirty="0" err="1"/>
+              <a:t>Questionnaires</a:t>
+            </a:r>
+            <a:r>
+              <a:rPr lang="pt-PT" sz="1200" i="1" dirty="0"/>
+              <a:t>)</a:t>
+            </a:r>
+            <a:r>
+              <a:rPr lang="pt-PT" sz="1200" dirty="0"/>
+              <a:t>, terá de ter conta e estar de </a:t>
+            </a:r>
+            <a:r>
+              <a:rPr lang="pt-PT" sz="1200" dirty="0" err="1"/>
+              <a:t>logado</a:t>
+            </a:r>
+            <a:r>
+              <a:rPr lang="pt-PT" sz="1200" dirty="0"/>
+              <a:t>;</a:t>
+            </a:r>
+          </a:p>
+          <a:p>
+            <a:endParaRPr lang="pt-PT" dirty="0"/>
           </a:p>
         </p:txBody>
       </p:sp>
@@ -1172,7 +1160,7 @@
           <a:p>
             <a:fld id="{FC77E7C4-E54C-465D-ABEB-E0CB3A6B840B}" type="slidenum">
               <a:rPr lang="pt-PT" smtClean="0"/>
-              <a:t>10</a:t>
+              <a:t>9</a:t>
             </a:fld>
             <a:endParaRPr lang="pt-PT"/>
           </a:p>
@@ -1181,7 +1169,7 @@
     </p:spTree>
     <p:extLst>
       <p:ext uri="{BB962C8B-B14F-4D97-AF65-F5344CB8AC3E}">
-        <p14:creationId xmlns:p14="http://schemas.microsoft.com/office/powerpoint/2010/main" val="3573550189"/>
+        <p14:creationId xmlns:p14="http://schemas.microsoft.com/office/powerpoint/2010/main" val="655576880"/>
       </p:ext>
     </p:extLst>
   </p:cSld>
@@ -1235,6 +1223,94 @@
           <a:bodyPr/>
           <a:lstStyle/>
           <a:p>
+            <a:pPr marL="0" indent="0">
+              <a:buFont typeface="Wingdings" panose="05000000000000000000" pitchFamily="2" charset="2"/>
+              <a:buNone/>
+            </a:pPr>
+            <a:endParaRPr lang="pt-PT" sz="1200" i="1" dirty="0"/>
+          </a:p>
+        </p:txBody>
+      </p:sp>
+      <p:sp>
+        <p:nvSpPr>
+          <p:cNvPr id="4" name="Marcador de Posição do Número do Diapositivo 3"/>
+          <p:cNvSpPr>
+            <a:spLocks noGrp="1"/>
+          </p:cNvSpPr>
+          <p:nvPr>
+            <p:ph type="sldNum" sz="quarter" idx="5"/>
+          </p:nvPr>
+        </p:nvSpPr>
+        <p:spPr/>
+        <p:txBody>
+          <a:bodyPr/>
+          <a:lstStyle/>
+          <a:p>
+            <a:fld id="{FC77E7C4-E54C-465D-ABEB-E0CB3A6B840B}" type="slidenum">
+              <a:rPr lang="pt-PT" smtClean="0"/>
+              <a:t>10</a:t>
+            </a:fld>
+            <a:endParaRPr lang="pt-PT"/>
+          </a:p>
+        </p:txBody>
+      </p:sp>
+    </p:spTree>
+    <p:extLst>
+      <p:ext uri="{BB962C8B-B14F-4D97-AF65-F5344CB8AC3E}">
+        <p14:creationId xmlns:p14="http://schemas.microsoft.com/office/powerpoint/2010/main" val="3573550189"/>
+      </p:ext>
+    </p:extLst>
+  </p:cSld>
+  <p:clrMapOvr>
+    <a:masterClrMapping/>
+  </p:clrMapOvr>
+</p:notes>
+</file>
+
+<file path=ppt/notesSlides/notesSlide7.xml><?xml version="1.0" encoding="utf-8"?>
+<p:notes xmlns:a="http://schemas.openxmlformats.org/drawingml/2006/main" xmlns:r="http://schemas.openxmlformats.org/officeDocument/2006/relationships" xmlns:p="http://schemas.openxmlformats.org/presentationml/2006/main">
+  <p:cSld>
+    <p:spTree>
+      <p:nvGrpSpPr>
+        <p:cNvPr id="1" name=""/>
+        <p:cNvGrpSpPr/>
+        <p:nvPr/>
+      </p:nvGrpSpPr>
+      <p:grpSpPr>
+        <a:xfrm>
+          <a:off x="0" y="0"/>
+          <a:ext cx="0" cy="0"/>
+          <a:chOff x="0" y="0"/>
+          <a:chExt cx="0" cy="0"/>
+        </a:xfrm>
+      </p:grpSpPr>
+      <p:sp>
+        <p:nvSpPr>
+          <p:cNvPr id="2" name="Marcador de Posição da Imagem do Diapositivo 1"/>
+          <p:cNvSpPr>
+            <a:spLocks noGrp="1" noRot="1" noChangeAspect="1"/>
+          </p:cNvSpPr>
+          <p:nvPr>
+            <p:ph type="sldImg"/>
+          </p:nvPr>
+        </p:nvSpPr>
+        <p:spPr/>
+      </p:sp>
+      <p:sp>
+        <p:nvSpPr>
+          <p:cNvPr id="3" name="Marcador de Posição de Notas 2"/>
+          <p:cNvSpPr>
+            <a:spLocks noGrp="1"/>
+          </p:cNvSpPr>
+          <p:nvPr>
+            <p:ph type="body" idx="1"/>
+          </p:nvPr>
+        </p:nvSpPr>
+        <p:spPr/>
+        <p:txBody>
+          <a:bodyPr/>
+          <a:lstStyle/>
+          <a:p>
             <a:pPr marL="171450" indent="-171450">
               <a:buFont typeface="Wingdings" panose="05000000000000000000" pitchFamily="2" charset="2"/>
               <a:buChar char="§"/>
@@ -1381,7 +1457,7 @@
 </p:notes>
 </file>
 
-<file path=ppt/notesSlides/notesSlide7.xml><?xml version="1.0" encoding="utf-8"?>
+<file path=ppt/notesSlides/notesSlide8.xml><?xml version="1.0" encoding="utf-8"?>
 <p:notes xmlns:a="http://schemas.openxmlformats.org/drawingml/2006/main" xmlns:r="http://schemas.openxmlformats.org/officeDocument/2006/relationships" xmlns:p="http://schemas.openxmlformats.org/presentationml/2006/main">
   <p:cSld>
     <p:spTree>
@@ -1714,7 +1790,7 @@
           <a:p>
             <a:fld id="{BB780E10-2340-4FA9-B5B2-BEE50CFFF348}" type="datetimeFigureOut">
               <a:rPr lang="pt-PT" smtClean="0"/>
-              <a:t>30/03/2020</a:t>
+              <a:t>01/04/2020</a:t>
             </a:fld>
             <a:endParaRPr lang="pt-PT"/>
           </a:p>
@@ -2044,7 +2120,7 @@
           <a:p>
             <a:fld id="{BB780E10-2340-4FA9-B5B2-BEE50CFFF348}" type="datetimeFigureOut">
               <a:rPr lang="pt-PT" smtClean="0"/>
-              <a:t>30/03/2020</a:t>
+              <a:t>01/04/2020</a:t>
             </a:fld>
             <a:endParaRPr lang="pt-PT"/>
           </a:p>
@@ -2224,7 +2300,7 @@
           <a:p>
             <a:fld id="{BB780E10-2340-4FA9-B5B2-BEE50CFFF348}" type="datetimeFigureOut">
               <a:rPr lang="pt-PT" smtClean="0"/>
-              <a:t>30/03/2020</a:t>
+              <a:t>01/04/2020</a:t>
             </a:fld>
             <a:endParaRPr lang="pt-PT"/>
           </a:p>
@@ -2394,7 +2470,7 @@
           <a:p>
             <a:fld id="{BB780E10-2340-4FA9-B5B2-BEE50CFFF348}" type="datetimeFigureOut">
               <a:rPr lang="pt-PT" smtClean="0"/>
-              <a:t>30/03/2020</a:t>
+              <a:t>01/04/2020</a:t>
             </a:fld>
             <a:endParaRPr lang="pt-PT"/>
           </a:p>
@@ -2671,7 +2747,7 @@
           <a:p>
             <a:fld id="{BB780E10-2340-4FA9-B5B2-BEE50CFFF348}" type="datetimeFigureOut">
               <a:rPr lang="pt-PT" smtClean="0"/>
-              <a:t>30/03/2020</a:t>
+              <a:t>01/04/2020</a:t>
             </a:fld>
             <a:endParaRPr lang="pt-PT"/>
           </a:p>
@@ -3065,7 +3141,7 @@
           <a:p>
             <a:fld id="{BB780E10-2340-4FA9-B5B2-BEE50CFFF348}" type="datetimeFigureOut">
               <a:rPr lang="pt-PT" smtClean="0"/>
-              <a:t>30/03/2020</a:t>
+              <a:t>01/04/2020</a:t>
             </a:fld>
             <a:endParaRPr lang="pt-PT"/>
           </a:p>
@@ -3542,7 +3618,7 @@
           <a:p>
             <a:fld id="{BB780E10-2340-4FA9-B5B2-BEE50CFFF348}" type="datetimeFigureOut">
               <a:rPr lang="pt-PT" smtClean="0"/>
-              <a:t>30/03/2020</a:t>
+              <a:t>01/04/2020</a:t>
             </a:fld>
             <a:endParaRPr lang="pt-PT"/>
           </a:p>
@@ -3660,7 +3736,7 @@
           <a:p>
             <a:fld id="{BB780E10-2340-4FA9-B5B2-BEE50CFFF348}" type="datetimeFigureOut">
               <a:rPr lang="pt-PT" smtClean="0"/>
-              <a:t>30/03/2020</a:t>
+              <a:t>01/04/2020</a:t>
             </a:fld>
             <a:endParaRPr lang="pt-PT"/>
           </a:p>
@@ -3755,7 +3831,7 @@
           <a:p>
             <a:fld id="{BB780E10-2340-4FA9-B5B2-BEE50CFFF348}" type="datetimeFigureOut">
               <a:rPr lang="pt-PT" smtClean="0"/>
-              <a:t>30/03/2020</a:t>
+              <a:t>01/04/2020</a:t>
             </a:fld>
             <a:endParaRPr lang="pt-PT"/>
           </a:p>
@@ -4101,7 +4177,7 @@
           <a:p>
             <a:fld id="{BB780E10-2340-4FA9-B5B2-BEE50CFFF348}" type="datetimeFigureOut">
               <a:rPr lang="pt-PT" smtClean="0"/>
-              <a:t>30/03/2020</a:t>
+              <a:t>01/04/2020</a:t>
             </a:fld>
             <a:endParaRPr lang="pt-PT"/>
           </a:p>
@@ -4489,7 +4565,7 @@
           <a:p>
             <a:fld id="{BB780E10-2340-4FA9-B5B2-BEE50CFFF348}" type="datetimeFigureOut">
               <a:rPr lang="pt-PT" smtClean="0"/>
-              <a:t>30/03/2020</a:t>
+              <a:t>01/04/2020</a:t>
             </a:fld>
             <a:endParaRPr lang="pt-PT"/>
           </a:p>
@@ -4767,7 +4843,7 @@
           <a:p>
             <a:fld id="{BB780E10-2340-4FA9-B5B2-BEE50CFFF348}" type="datetimeFigureOut">
               <a:rPr lang="pt-PT" smtClean="0"/>
-              <a:t>30/03/2020</a:t>
+              <a:t>01/04/2020</a:t>
             </a:fld>
             <a:endParaRPr lang="pt-PT"/>
           </a:p>
@@ -8676,19 +8752,19 @@
             </a:pPr>
             <a:r>
               <a:rPr lang="pt-PT" dirty="0"/>
-              <a:t>Atualmente as plataformas que existem para executar código:</a:t>
+              <a:t>Atualmente as plataformas que existem para executar código, mas:</a:t>
             </a:r>
           </a:p>
           <a:p>
             <a:r>
               <a:rPr lang="pt-PT" dirty="0"/>
-              <a:t>Ou não são de código aberto;</a:t>
+              <a:t>Não são de código aberto;</a:t>
             </a:r>
           </a:p>
           <a:p>
             <a:r>
               <a:rPr lang="pt-PT" dirty="0"/>
-              <a:t>Ou pecam na sua aparência</a:t>
+              <a:t>Pecam na sua aparência</a:t>
             </a:r>
             <a:r>
               <a:rPr lang="pt-PT" i="1" dirty="0"/>
@@ -8698,7 +8774,7 @@
           <a:p>
             <a:r>
               <a:rPr lang="pt-PT" dirty="0"/>
-              <a:t>Ou não permitem vários tipos de linguagem de programação.</a:t>
+              <a:t>Não permitem vários tipos de linguagem de programação.</a:t>
             </a:r>
             <a:endParaRPr lang="pt-PT" i="1" dirty="0"/>
           </a:p>
@@ -9001,7 +9077,15 @@
             </a:pPr>
             <a:r>
               <a:rPr lang="pt-PT" dirty="0"/>
-              <a:t>Neste âmbito pretende-se desenvolver uma aplicação e-learning de código aberto, dedicada à definição e testes de algoritmos em ambiente multilinguagem.</a:t>
+              <a:t>Neste âmbito pretende-se desenvolver uma aplicação e-learning de open </a:t>
+            </a:r>
+            <a:r>
+              <a:rPr lang="pt-PT" dirty="0" err="1"/>
+              <a:t>source</a:t>
+            </a:r>
+            <a:r>
+              <a:rPr lang="pt-PT" dirty="0"/>
+              <a:t>, dedicada à definição e testes de algoritmos em ambiente multilinguagem.</a:t>
             </a:r>
           </a:p>
           <a:p>
@@ -9996,12 +10080,9 @@
           <a:p>
             <a:r>
               <a:rPr lang="pt-PT" dirty="0"/>
-              <a:t>Redução do </a:t>
-            </a:r>
-            <a:r>
-              <a:rPr lang="pt-PT" i="1" dirty="0"/>
-              <a:t>”scope”</a:t>
-            </a:r>
+              <a:t>Redução de âmbito</a:t>
+            </a:r>
+            <a:endParaRPr lang="pt-PT" i="1" dirty="0"/>
           </a:p>
           <a:p>
             <a:pPr lvl="1"/>
@@ -10023,33 +10104,6 @@
             <a:r>
               <a:rPr lang="pt-PT" dirty="0"/>
               <a:t>. diferentes roles para os utilizadores) ;</a:t>
-            </a:r>
-          </a:p>
-          <a:p>
-            <a:pPr lvl="1"/>
-            <a:r>
-              <a:rPr lang="pt-PT" dirty="0"/>
-              <a:t>Etc.</a:t>
-            </a:r>
-          </a:p>
-          <a:p>
-            <a:r>
-              <a:rPr lang="pt-PT" dirty="0"/>
-              <a:t>Meter férias do trabalho para poder dedicar mais horas ao </a:t>
-            </a:r>
-            <a:r>
-              <a:rPr lang="pt-PT" dirty="0" err="1"/>
-              <a:t>projecto</a:t>
-            </a:r>
-            <a:r>
-              <a:rPr lang="pt-PT" dirty="0"/>
-              <a:t>;</a:t>
-            </a:r>
-          </a:p>
-          <a:p>
-            <a:r>
-              <a:rPr lang="pt-PT" dirty="0"/>
-              <a:t>Desistir de uma cadeira opcional ou destas apresentações de seminário que só fazem perder tempo.</a:t>
             </a:r>
           </a:p>
         </p:txBody>
